--- a/test/fixtures/example.pptx
+++ b/test/fixtures/example.pptx
@@ -12,6 +12,7 @@
     <p:sldId id="257" r:id="rId6"/>
     <p:sldId id="258" r:id="rId7"/>
     <p:sldId id="259" r:id="rId8"/>
+    <p:sldId id="260" r:id="rId9"/>
   </p:sldIdLst>
   <p:sldSz cy="5143500" cx="9144000"/>
   <p:notesSz cx="6858000" cy="9144000"/>
@@ -737,6 +738,101 @@
             <a:r>
               <a:rPr lang="en"/>
               <a:t>A blank slide with title and body boxes</a:t>
+            </a:r>
+          </a:p>
+        </p:txBody>
+      </p:sp>
+    </p:spTree>
+  </p:cSld>
+  <p:clrMapOvr>
+    <a:masterClrMapping/>
+  </p:clrMapOvr>
+</p:notes>
+</file>
+
+<file path=ppt/notesSlides/notesSlide5.xml><?xml version="1.0" encoding="utf-8"?>
+<p:notes xmlns:a="http://schemas.openxmlformats.org/drawingml/2006/main" xmlns:r="http://schemas.openxmlformats.org/officeDocument/2006/relationships" xmlns:mc="http://schemas.openxmlformats.org/markup-compatibility/2006" xmlns:mv="urn:schemas-microsoft-com:mac:vml" xmlns:p="http://schemas.openxmlformats.org/presentationml/2006/main" xmlns:c="http://schemas.openxmlformats.org/drawingml/2006/chart" xmlns:dgm="http://schemas.openxmlformats.org/drawingml/2006/diagram" xmlns:o="urn:schemas-microsoft-com:office:office" xmlns:v="urn:schemas-microsoft-com:vml" xmlns:pvml="urn:schemas-microsoft-com:office:powerpoint" xmlns:com="http://schemas.openxmlformats.org/drawingml/2006/compatibility" xmlns:p14="http://schemas.microsoft.com/office/powerpoint/2010/main" showMasterPhAnim="0" showMasterSp="0">
+  <p:cSld>
+    <p:spTree>
+      <p:nvGrpSpPr>
+        <p:cNvPr id="76" name="Shape 76"/>
+        <p:cNvGrpSpPr/>
+        <p:nvPr/>
+      </p:nvGrpSpPr>
+      <p:grpSpPr>
+        <a:xfrm>
+          <a:off x="0" y="0"/>
+          <a:ext cx="0" cy="0"/>
+          <a:chOff x="0" y="0"/>
+          <a:chExt cx="0" cy="0"/>
+        </a:xfrm>
+      </p:grpSpPr>
+      <p:sp>
+        <p:nvSpPr>
+          <p:cNvPr id="77" name="Shape 77"/>
+          <p:cNvSpPr/>
+          <p:nvPr>
+            <p:ph idx="2" type="sldImg"/>
+          </p:nvPr>
+        </p:nvSpPr>
+        <p:spPr>
+          <a:xfrm>
+            <a:off x="381300" y="685800"/>
+            <a:ext cx="6096000" cy="3429000"/>
+          </a:xfrm>
+          <a:custGeom>
+            <a:pathLst>
+              <a:path extrusionOk="0" h="120000" w="120000">
+                <a:moveTo>
+                  <a:pt x="0" y="0"/>
+                </a:moveTo>
+                <a:lnTo>
+                  <a:pt x="120000" y="0"/>
+                </a:lnTo>
+                <a:lnTo>
+                  <a:pt x="120000" y="120000"/>
+                </a:lnTo>
+                <a:lnTo>
+                  <a:pt x="0" y="120000"/>
+                </a:lnTo>
+                <a:close/>
+              </a:path>
+            </a:pathLst>
+          </a:custGeom>
+        </p:spPr>
+      </p:sp>
+      <p:sp>
+        <p:nvSpPr>
+          <p:cNvPr id="78" name="Shape 78"/>
+          <p:cNvSpPr txBox="1"/>
+          <p:nvPr>
+            <p:ph idx="1" type="body"/>
+          </p:nvPr>
+        </p:nvSpPr>
+        <p:spPr>
+          <a:xfrm>
+            <a:off x="685800" y="4343400"/>
+            <a:ext cx="5486400" cy="4114800"/>
+          </a:xfrm>
+          <a:prstGeom prst="rect">
+            <a:avLst/>
+          </a:prstGeom>
+        </p:spPr>
+        <p:txBody>
+          <a:bodyPr anchorCtr="0" anchor="t" bIns="91425" lIns="91425" rIns="91425" tIns="91425">
+            <a:noAutofit/>
+          </a:bodyPr>
+          <a:lstStyle/>
+          <a:p>
+            <a:pPr lvl="0">
+              <a:spcBef>
+                <a:spcPts val="0"/>
+              </a:spcBef>
+              <a:buNone/>
+            </a:pPr>
+            <a:r>
+              <a:rPr lang="en"/>
+              <a:t>A slide with only two labels</a:t>
             </a:r>
           </a:p>
         </p:txBody>
@@ -4003,9 +4099,6 @@
   <p:clrMapOvr>
     <a:masterClrMapping/>
   </p:clrMapOvr>
-  <p:transition spd="slow">
-    <p:fade/>
-  </p:transition>
 </p:sld>
 </file>
 
@@ -4147,9 +4240,6 @@
   <p:clrMapOvr>
     <a:masterClrMapping/>
   </p:clrMapOvr>
-  <p:transition spd="slow">
-    <p:fade/>
-  </p:transition>
 </p:sld>
 </file>
 
@@ -4331,9 +4421,6 @@
   <p:clrMapOvr>
     <a:masterClrMapping/>
   </p:clrMapOvr>
-  <p:transition spd="slow">
-    <p:fade/>
-  </p:transition>
 </p:sld>
 </file>
 
@@ -4431,9 +4518,151 @@
   <p:clrMapOvr>
     <a:masterClrMapping/>
   </p:clrMapOvr>
-  <p:transition spd="slow">
-    <p:fade/>
-  </p:transition>
+</p:sld>
+</file>
+
+<file path=ppt/slides/slide5.xml><?xml version="1.0" encoding="utf-8"?>
+<p:sld xmlns:a="http://schemas.openxmlformats.org/drawingml/2006/main" xmlns:r="http://schemas.openxmlformats.org/officeDocument/2006/relationships" xmlns:mc="http://schemas.openxmlformats.org/markup-compatibility/2006" xmlns:mv="urn:schemas-microsoft-com:mac:vml" xmlns:p="http://schemas.openxmlformats.org/presentationml/2006/main" xmlns:c="http://schemas.openxmlformats.org/drawingml/2006/chart" xmlns:dgm="http://schemas.openxmlformats.org/drawingml/2006/diagram" xmlns:o="urn:schemas-microsoft-com:office:office" xmlns:v="urn:schemas-microsoft-com:vml" xmlns:pvml="urn:schemas-microsoft-com:office:powerpoint" xmlns:com="http://schemas.openxmlformats.org/drawingml/2006/compatibility" xmlns:p14="http://schemas.microsoft.com/office/powerpoint/2010/main">
+  <p:cSld>
+    <p:spTree>
+      <p:nvGrpSpPr>
+        <p:cNvPr id="79" name="Shape 79"/>
+        <p:cNvGrpSpPr/>
+        <p:nvPr/>
+      </p:nvGrpSpPr>
+      <p:grpSpPr>
+        <a:xfrm>
+          <a:off x="0" y="0"/>
+          <a:ext cx="0" cy="0"/>
+          <a:chOff x="0" y="0"/>
+          <a:chExt cx="0" cy="0"/>
+        </a:xfrm>
+      </p:grpSpPr>
+      <p:sp>
+        <p:nvSpPr>
+          <p:cNvPr id="80" name="Shape 80"/>
+          <p:cNvSpPr txBox="1"/>
+          <p:nvPr/>
+        </p:nvSpPr>
+        <p:spPr>
+          <a:xfrm>
+            <a:off x="1773050" y="1664325"/>
+            <a:ext cx="2224800" cy="1045500"/>
+          </a:xfrm>
+          <a:prstGeom prst="rect">
+            <a:avLst/>
+          </a:prstGeom>
+          <a:solidFill>
+            <a:srgbClr val="FF0000"/>
+          </a:solidFill>
+          <a:ln>
+            <a:noFill/>
+          </a:ln>
+        </p:spPr>
+        <p:txBody>
+          <a:bodyPr anchorCtr="0" anchor="t" bIns="91425" lIns="91425" rIns="91425" tIns="91425">
+            <a:noAutofit/>
+          </a:bodyPr>
+          <a:lstStyle/>
+          <a:p>
+            <a:pPr lvl="0">
+              <a:spcBef>
+                <a:spcPts val="0"/>
+              </a:spcBef>
+              <a:buNone/>
+            </a:pPr>
+            <a:r>
+              <a:rPr lang="en" sz="3000">
+                <a:solidFill>
+                  <a:srgbClr val="FFFFFF"/>
+                </a:solidFill>
+              </a:rPr>
+              <a:t>Label-1</a:t>
+            </a:r>
+          </a:p>
+          <a:p>
+            <a:pPr lvl="0">
+              <a:spcBef>
+                <a:spcPts val="0"/>
+              </a:spcBef>
+              <a:buNone/>
+            </a:pPr>
+            <a:r>
+              <a:rPr lang="en" sz="3000">
+                <a:solidFill>
+                  <a:srgbClr val="FFFFFF"/>
+                </a:solidFill>
+              </a:rPr>
+              <a:t>label-1</a:t>
+            </a:r>
+          </a:p>
+        </p:txBody>
+      </p:sp>
+      <p:sp>
+        <p:nvSpPr>
+          <p:cNvPr id="81" name="Shape 81"/>
+          <p:cNvSpPr txBox="1"/>
+          <p:nvPr/>
+        </p:nvSpPr>
+        <p:spPr>
+          <a:xfrm>
+            <a:off x="1925450" y="3212950"/>
+            <a:ext cx="2224800" cy="1045500"/>
+          </a:xfrm>
+          <a:prstGeom prst="rect">
+            <a:avLst/>
+          </a:prstGeom>
+          <a:solidFill>
+            <a:srgbClr val="FF0000"/>
+          </a:solidFill>
+          <a:ln>
+            <a:noFill/>
+          </a:ln>
+        </p:spPr>
+        <p:txBody>
+          <a:bodyPr anchorCtr="0" anchor="t" bIns="91425" lIns="91425" rIns="91425" tIns="91425">
+            <a:noAutofit/>
+          </a:bodyPr>
+          <a:lstStyle/>
+          <a:p>
+            <a:pPr lvl="0" rtl="0">
+              <a:spcBef>
+                <a:spcPts val="0"/>
+              </a:spcBef>
+              <a:buNone/>
+            </a:pPr>
+            <a:r>
+              <a:rPr lang="en" sz="3000">
+                <a:solidFill>
+                  <a:srgbClr val="FFFFFF"/>
+                </a:solidFill>
+              </a:rPr>
+              <a:t>Label-2</a:t>
+            </a:r>
+          </a:p>
+          <a:p>
+            <a:pPr lvl="0" rtl="0">
+              <a:spcBef>
+                <a:spcPts val="0"/>
+              </a:spcBef>
+              <a:buNone/>
+            </a:pPr>
+            <a:r>
+              <a:rPr lang="en" sz="3000">
+                <a:solidFill>
+                  <a:srgbClr val="FFFFFF"/>
+                </a:solidFill>
+              </a:rPr>
+              <a:t>label-2</a:t>
+            </a:r>
+          </a:p>
+        </p:txBody>
+      </p:sp>
+    </p:spTree>
+  </p:cSld>
+  <p:clrMapOvr>
+    <a:masterClrMapping/>
+  </p:clrMapOvr>
 </p:sld>
 </file>
 
